--- a/게임엔진 계획서.pptx
+++ b/게임엔진 계획서.pptx
@@ -1650,7 +1650,7 @@
   <p:cSld>
     <p:spTree>
       <p:nvGrpSpPr>
-        <p:cNvPr id="202" name="Shape 202"/>
+        <p:cNvPr id="203" name="Shape 203"/>
         <p:cNvGrpSpPr/>
         <p:nvPr/>
       </p:nvGrpSpPr>
@@ -1664,7 +1664,7 @@
       </p:grpSpPr>
       <p:sp>
         <p:nvSpPr>
-          <p:cNvPr id="203" name="Google Shape;203;p15:notes"/>
+          <p:cNvPr id="204" name="Google Shape;204;p15:notes"/>
           <p:cNvSpPr txBox="1"/>
           <p:nvPr>
             <p:ph idx="12" type="sldNum"/>
@@ -1708,7 +1708,7 @@
       </p:sp>
       <p:sp>
         <p:nvSpPr>
-          <p:cNvPr id="204" name="Google Shape;204;p15:notes"/>
+          <p:cNvPr id="205" name="Google Shape;205;p15:notes"/>
           <p:cNvSpPr/>
           <p:nvPr>
             <p:ph idx="2" type="sldImg"/>
@@ -1747,7 +1747,7 @@
       </p:sp>
       <p:sp>
         <p:nvSpPr>
-          <p:cNvPr id="205" name="Google Shape;205;p15:notes"/>
+          <p:cNvPr id="206" name="Google Shape;206;p15:notes"/>
           <p:cNvSpPr txBox="1"/>
           <p:nvPr>
             <p:ph idx="1" type="body"/>
@@ -1798,7 +1798,7 @@
       </p:sp>
       <p:sp>
         <p:nvSpPr>
-          <p:cNvPr id="206" name="Google Shape;206;p15:notes"/>
+          <p:cNvPr id="207" name="Google Shape;207;p15:notes"/>
           <p:cNvSpPr txBox="1"/>
           <p:nvPr>
             <p:ph idx="11" type="ftr"/>
@@ -1853,7 +1853,7 @@
   <p:cSld>
     <p:spTree>
       <p:nvGrpSpPr>
-        <p:cNvPr id="218" name="Shape 218"/>
+        <p:cNvPr id="219" name="Shape 219"/>
         <p:cNvGrpSpPr/>
         <p:nvPr/>
       </p:nvGrpSpPr>
@@ -1867,7 +1867,7 @@
       </p:grpSpPr>
       <p:sp>
         <p:nvSpPr>
-          <p:cNvPr id="219" name="Google Shape;219;gee08c3226e_1_30:notes"/>
+          <p:cNvPr id="220" name="Google Shape;220;gee08c3226e_1_30:notes"/>
           <p:cNvSpPr txBox="1"/>
           <p:nvPr>
             <p:ph idx="12" type="sldNum"/>
@@ -1911,7 +1911,7 @@
       </p:sp>
       <p:sp>
         <p:nvSpPr>
-          <p:cNvPr id="220" name="Google Shape;220;gee08c3226e_1_30:notes"/>
+          <p:cNvPr id="221" name="Google Shape;221;gee08c3226e_1_30:notes"/>
           <p:cNvSpPr/>
           <p:nvPr>
             <p:ph idx="2" type="sldImg"/>
@@ -1950,7 +1950,7 @@
       </p:sp>
       <p:sp>
         <p:nvSpPr>
-          <p:cNvPr id="221" name="Google Shape;221;gee08c3226e_1_30:notes"/>
+          <p:cNvPr id="222" name="Google Shape;222;gee08c3226e_1_30:notes"/>
           <p:cNvSpPr txBox="1"/>
           <p:nvPr>
             <p:ph idx="1" type="body"/>
@@ -2001,7 +2001,7 @@
       </p:sp>
       <p:sp>
         <p:nvSpPr>
-          <p:cNvPr id="222" name="Google Shape;222;gee08c3226e_1_30:notes"/>
+          <p:cNvPr id="223" name="Google Shape;223;gee08c3226e_1_30:notes"/>
           <p:cNvSpPr txBox="1"/>
           <p:nvPr>
             <p:ph idx="11" type="ftr"/>
@@ -2056,7 +2056,7 @@
   <p:cSld>
     <p:spTree>
       <p:nvGrpSpPr>
-        <p:cNvPr id="234" name="Shape 234"/>
+        <p:cNvPr id="235" name="Shape 235"/>
         <p:cNvGrpSpPr/>
         <p:nvPr/>
       </p:nvGrpSpPr>
@@ -2070,7 +2070,7 @@
       </p:grpSpPr>
       <p:sp>
         <p:nvSpPr>
-          <p:cNvPr id="235" name="Google Shape;235;p17:notes"/>
+          <p:cNvPr id="236" name="Google Shape;236;p17:notes"/>
           <p:cNvSpPr txBox="1"/>
           <p:nvPr>
             <p:ph idx="12" type="sldNum"/>
@@ -2114,7 +2114,7 @@
       </p:sp>
       <p:sp>
         <p:nvSpPr>
-          <p:cNvPr id="236" name="Google Shape;236;p17:notes"/>
+          <p:cNvPr id="237" name="Google Shape;237;p17:notes"/>
           <p:cNvSpPr/>
           <p:nvPr>
             <p:ph idx="2" type="sldImg"/>
@@ -2153,7 +2153,7 @@
       </p:sp>
       <p:sp>
         <p:nvSpPr>
-          <p:cNvPr id="237" name="Google Shape;237;p17:notes"/>
+          <p:cNvPr id="238" name="Google Shape;238;p17:notes"/>
           <p:cNvSpPr txBox="1"/>
           <p:nvPr>
             <p:ph idx="1" type="body"/>
@@ -2196,7 +2196,7 @@
       </p:sp>
       <p:sp>
         <p:nvSpPr>
-          <p:cNvPr id="238" name="Google Shape;238;p17:notes"/>
+          <p:cNvPr id="239" name="Google Shape;239;p17:notes"/>
           <p:cNvSpPr txBox="1"/>
           <p:nvPr>
             <p:ph idx="11" type="ftr"/>
@@ -2251,7 +2251,7 @@
   <p:cSld>
     <p:spTree>
       <p:nvGrpSpPr>
-        <p:cNvPr id="249" name="Shape 249"/>
+        <p:cNvPr id="250" name="Shape 250"/>
         <p:cNvGrpSpPr/>
         <p:nvPr/>
       </p:nvGrpSpPr>
@@ -2265,7 +2265,7 @@
       </p:grpSpPr>
       <p:sp>
         <p:nvSpPr>
-          <p:cNvPr id="250" name="Google Shape;250;p22:notes"/>
+          <p:cNvPr id="251" name="Google Shape;251;p22:notes"/>
           <p:cNvSpPr txBox="1"/>
           <p:nvPr>
             <p:ph idx="12" type="sldNum"/>
@@ -2309,7 +2309,7 @@
       </p:sp>
       <p:sp>
         <p:nvSpPr>
-          <p:cNvPr id="251" name="Google Shape;251;p22:notes"/>
+          <p:cNvPr id="252" name="Google Shape;252;p22:notes"/>
           <p:cNvSpPr/>
           <p:nvPr>
             <p:ph idx="2" type="sldImg"/>
@@ -2348,7 +2348,7 @@
       </p:sp>
       <p:sp>
         <p:nvSpPr>
-          <p:cNvPr id="252" name="Google Shape;252;p22:notes"/>
+          <p:cNvPr id="253" name="Google Shape;253;p22:notes"/>
           <p:cNvSpPr txBox="1"/>
           <p:nvPr>
             <p:ph idx="1" type="body"/>
@@ -2391,7 +2391,7 @@
       </p:sp>
       <p:sp>
         <p:nvSpPr>
-          <p:cNvPr id="253" name="Google Shape;253;p22:notes"/>
+          <p:cNvPr id="254" name="Google Shape;254;p22:notes"/>
           <p:cNvSpPr txBox="1"/>
           <p:nvPr>
             <p:ph idx="11" type="ftr"/>
@@ -2446,7 +2446,7 @@
   <p:cSld>
     <p:spTree>
       <p:nvGrpSpPr>
-        <p:cNvPr id="263" name="Shape 263"/>
+        <p:cNvPr id="264" name="Shape 264"/>
         <p:cNvGrpSpPr/>
         <p:nvPr/>
       </p:nvGrpSpPr>
@@ -2460,7 +2460,7 @@
       </p:grpSpPr>
       <p:sp>
         <p:nvSpPr>
-          <p:cNvPr id="264" name="Google Shape;264;p25:notes"/>
+          <p:cNvPr id="265" name="Google Shape;265;p25:notes"/>
           <p:cNvSpPr txBox="1"/>
           <p:nvPr>
             <p:ph idx="12" type="sldNum"/>
@@ -2504,7 +2504,7 @@
       </p:sp>
       <p:sp>
         <p:nvSpPr>
-          <p:cNvPr id="265" name="Google Shape;265;p25:notes"/>
+          <p:cNvPr id="266" name="Google Shape;266;p25:notes"/>
           <p:cNvSpPr/>
           <p:nvPr>
             <p:ph idx="2" type="sldImg"/>
@@ -2543,7 +2543,7 @@
       </p:sp>
       <p:sp>
         <p:nvSpPr>
-          <p:cNvPr id="266" name="Google Shape;266;p25:notes"/>
+          <p:cNvPr id="267" name="Google Shape;267;p25:notes"/>
           <p:cNvSpPr txBox="1"/>
           <p:nvPr>
             <p:ph idx="1" type="body"/>
@@ -2594,7 +2594,7 @@
       </p:sp>
       <p:sp>
         <p:nvSpPr>
-          <p:cNvPr id="267" name="Google Shape;267;p25:notes"/>
+          <p:cNvPr id="268" name="Google Shape;268;p25:notes"/>
           <p:cNvSpPr txBox="1"/>
           <p:nvPr>
             <p:ph idx="11" type="ftr"/>
@@ -4015,7 +4015,7 @@
   <p:cSld>
     <p:spTree>
       <p:nvGrpSpPr>
-        <p:cNvPr id="188" name="Shape 188"/>
+        <p:cNvPr id="189" name="Shape 189"/>
         <p:cNvGrpSpPr/>
         <p:nvPr/>
       </p:nvGrpSpPr>
@@ -4029,7 +4029,7 @@
       </p:grpSpPr>
       <p:sp>
         <p:nvSpPr>
-          <p:cNvPr id="189" name="Google Shape;189;p14:notes"/>
+          <p:cNvPr id="190" name="Google Shape;190;p14:notes"/>
           <p:cNvSpPr txBox="1"/>
           <p:nvPr>
             <p:ph idx="12" type="sldNum"/>
@@ -4073,7 +4073,7 @@
       </p:sp>
       <p:sp>
         <p:nvSpPr>
-          <p:cNvPr id="190" name="Google Shape;190;p14:notes"/>
+          <p:cNvPr id="191" name="Google Shape;191;p14:notes"/>
           <p:cNvSpPr/>
           <p:nvPr>
             <p:ph idx="2" type="sldImg"/>
@@ -4112,7 +4112,7 @@
       </p:sp>
       <p:sp>
         <p:nvSpPr>
-          <p:cNvPr id="191" name="Google Shape;191;p14:notes"/>
+          <p:cNvPr id="192" name="Google Shape;192;p14:notes"/>
           <p:cNvSpPr txBox="1"/>
           <p:nvPr>
             <p:ph idx="1" type="body"/>
@@ -4163,7 +4163,7 @@
       </p:sp>
       <p:sp>
         <p:nvSpPr>
-          <p:cNvPr id="192" name="Google Shape;192;p14:notes"/>
+          <p:cNvPr id="193" name="Google Shape;193;p14:notes"/>
           <p:cNvSpPr txBox="1"/>
           <p:nvPr>
             <p:ph idx="11" type="ftr"/>
@@ -9344,7 +9344,7 @@
             <a:tbl>
               <a:tblPr bandRow="1" firstRow="1">
                 <a:noFill/>
-                <a:tableStyleId>{B0FC16F8-982E-4CB0-8C07-183037A4D264}</a:tableStyleId>
+                <a:tableStyleId>{EE3B3EF0-2B28-4FE4-81EB-631791D77154}</a:tableStyleId>
               </a:tblPr>
               <a:tblGrid>
                 <a:gridCol w="1669775"/>
@@ -9572,7 +9572,7 @@
     </p:bg>
     <p:spTree>
       <p:nvGrpSpPr>
-        <p:cNvPr id="207" name="Shape 207"/>
+        <p:cNvPr id="208" name="Shape 208"/>
         <p:cNvGrpSpPr/>
         <p:nvPr/>
       </p:nvGrpSpPr>
@@ -9586,7 +9586,7 @@
       </p:grpSpPr>
       <p:sp>
         <p:nvSpPr>
-          <p:cNvPr id="208" name="Google Shape;208;p22"/>
+          <p:cNvPr id="209" name="Google Shape;209;p22"/>
           <p:cNvSpPr txBox="1"/>
           <p:nvPr/>
         </p:nvSpPr>
@@ -9641,7 +9641,7 @@
       </p:sp>
       <p:sp>
         <p:nvSpPr>
-          <p:cNvPr id="209" name="Google Shape;209;p22"/>
+          <p:cNvPr id="210" name="Google Shape;210;p22"/>
           <p:cNvSpPr/>
           <p:nvPr/>
         </p:nvSpPr>
@@ -9695,7 +9695,7 @@
       </p:sp>
       <p:sp>
         <p:nvSpPr>
-          <p:cNvPr id="210" name="Google Shape;210;p22"/>
+          <p:cNvPr id="211" name="Google Shape;211;p22"/>
           <p:cNvSpPr/>
           <p:nvPr/>
         </p:nvSpPr>
@@ -9757,7 +9757,7 @@
       </p:sp>
       <p:sp>
         <p:nvSpPr>
-          <p:cNvPr id="211" name="Google Shape;211;p22"/>
+          <p:cNvPr id="212" name="Google Shape;212;p22"/>
           <p:cNvSpPr/>
           <p:nvPr/>
         </p:nvSpPr>
@@ -9811,7 +9811,7 @@
       </p:sp>
       <p:sp>
         <p:nvSpPr>
-          <p:cNvPr id="212" name="Google Shape;212;p22"/>
+          <p:cNvPr id="213" name="Google Shape;213;p22"/>
           <p:cNvSpPr/>
           <p:nvPr/>
         </p:nvSpPr>
@@ -9865,7 +9865,7 @@
       </p:sp>
       <p:sp>
         <p:nvSpPr>
-          <p:cNvPr id="213" name="Google Shape;213;p22"/>
+          <p:cNvPr id="214" name="Google Shape;214;p22"/>
           <p:cNvSpPr/>
           <p:nvPr/>
         </p:nvSpPr>
@@ -9919,7 +9919,7 @@
       </p:sp>
       <p:sp>
         <p:nvSpPr>
-          <p:cNvPr id="214" name="Google Shape;214;p22"/>
+          <p:cNvPr id="215" name="Google Shape;215;p22"/>
           <p:cNvSpPr txBox="1"/>
           <p:nvPr>
             <p:ph type="title"/>
@@ -9988,7 +9988,7 @@
       </p:sp>
       <p:sp>
         <p:nvSpPr>
-          <p:cNvPr id="215" name="Google Shape;215;p22"/>
+          <p:cNvPr id="216" name="Google Shape;216;p22"/>
           <p:cNvSpPr txBox="1"/>
           <p:nvPr/>
         </p:nvSpPr>
@@ -10046,7 +10046,7 @@
       </p:sp>
       <p:graphicFrame>
         <p:nvGraphicFramePr>
-          <p:cNvPr id="216" name="Google Shape;216;p22"/>
+          <p:cNvPr id="217" name="Google Shape;217;p22"/>
           <p:cNvGraphicFramePr/>
           <p:nvPr/>
         </p:nvGraphicFramePr>
@@ -10059,7 +10059,7 @@
             <a:tbl>
               <a:tblPr bandRow="1" firstRow="1">
                 <a:noFill/>
-                <a:tableStyleId>{B0FC16F8-982E-4CB0-8C07-183037A4D264}</a:tableStyleId>
+                <a:tableStyleId>{EE3B3EF0-2B28-4FE4-81EB-631791D77154}</a:tableStyleId>
               </a:tblPr>
               <a:tblGrid>
                 <a:gridCol w="856675"/>
@@ -10608,7 +10608,7 @@
       </p:graphicFrame>
       <p:sp>
         <p:nvSpPr>
-          <p:cNvPr id="217" name="Google Shape;217;p22"/>
+          <p:cNvPr id="218" name="Google Shape;218;p22"/>
           <p:cNvSpPr txBox="1"/>
           <p:nvPr/>
         </p:nvSpPr>
@@ -10685,7 +10685,7 @@
     </p:bg>
     <p:spTree>
       <p:nvGrpSpPr>
-        <p:cNvPr id="223" name="Shape 223"/>
+        <p:cNvPr id="224" name="Shape 224"/>
         <p:cNvGrpSpPr/>
         <p:nvPr/>
       </p:nvGrpSpPr>
@@ -10699,7 +10699,7 @@
       </p:grpSpPr>
       <p:sp>
         <p:nvSpPr>
-          <p:cNvPr id="224" name="Google Shape;224;p23"/>
+          <p:cNvPr id="225" name="Google Shape;225;p23"/>
           <p:cNvSpPr txBox="1"/>
           <p:nvPr/>
         </p:nvSpPr>
@@ -10754,7 +10754,7 @@
       </p:sp>
       <p:sp>
         <p:nvSpPr>
-          <p:cNvPr id="225" name="Google Shape;225;p23"/>
+          <p:cNvPr id="226" name="Google Shape;226;p23"/>
           <p:cNvSpPr/>
           <p:nvPr/>
         </p:nvSpPr>
@@ -10808,7 +10808,7 @@
       </p:sp>
       <p:sp>
         <p:nvSpPr>
-          <p:cNvPr id="226" name="Google Shape;226;p23"/>
+          <p:cNvPr id="227" name="Google Shape;227;p23"/>
           <p:cNvSpPr/>
           <p:nvPr/>
         </p:nvSpPr>
@@ -10870,7 +10870,7 @@
       </p:sp>
       <p:sp>
         <p:nvSpPr>
-          <p:cNvPr id="227" name="Google Shape;227;p23"/>
+          <p:cNvPr id="228" name="Google Shape;228;p23"/>
           <p:cNvSpPr/>
           <p:nvPr/>
         </p:nvSpPr>
@@ -10924,7 +10924,7 @@
       </p:sp>
       <p:sp>
         <p:nvSpPr>
-          <p:cNvPr id="228" name="Google Shape;228;p23"/>
+          <p:cNvPr id="229" name="Google Shape;229;p23"/>
           <p:cNvSpPr/>
           <p:nvPr/>
         </p:nvSpPr>
@@ -10978,7 +10978,7 @@
       </p:sp>
       <p:sp>
         <p:nvSpPr>
-          <p:cNvPr id="229" name="Google Shape;229;p23"/>
+          <p:cNvPr id="230" name="Google Shape;230;p23"/>
           <p:cNvSpPr/>
           <p:nvPr/>
         </p:nvSpPr>
@@ -11032,7 +11032,7 @@
       </p:sp>
       <p:sp>
         <p:nvSpPr>
-          <p:cNvPr id="230" name="Google Shape;230;p23"/>
+          <p:cNvPr id="231" name="Google Shape;231;p23"/>
           <p:cNvSpPr txBox="1"/>
           <p:nvPr>
             <p:ph type="title"/>
@@ -11101,7 +11101,7 @@
       </p:sp>
       <p:sp>
         <p:nvSpPr>
-          <p:cNvPr id="231" name="Google Shape;231;p23"/>
+          <p:cNvPr id="232" name="Google Shape;232;p23"/>
           <p:cNvSpPr txBox="1"/>
           <p:nvPr/>
         </p:nvSpPr>
@@ -11175,7 +11175,7 @@
       </p:sp>
       <p:graphicFrame>
         <p:nvGraphicFramePr>
-          <p:cNvPr id="232" name="Google Shape;232;p23"/>
+          <p:cNvPr id="233" name="Google Shape;233;p23"/>
           <p:cNvGraphicFramePr/>
           <p:nvPr/>
         </p:nvGraphicFramePr>
@@ -11188,7 +11188,7 @@
             <a:tbl>
               <a:tblPr bandRow="1" firstRow="1">
                 <a:noFill/>
-                <a:tableStyleId>{B0FC16F8-982E-4CB0-8C07-183037A4D264}</a:tableStyleId>
+                <a:tableStyleId>{EE3B3EF0-2B28-4FE4-81EB-631791D77154}</a:tableStyleId>
               </a:tblPr>
               <a:tblGrid>
                 <a:gridCol w="856675"/>
@@ -11512,7 +11512,7 @@
       </p:graphicFrame>
       <p:sp>
         <p:nvSpPr>
-          <p:cNvPr id="233" name="Google Shape;233;p23"/>
+          <p:cNvPr id="234" name="Google Shape;234;p23"/>
           <p:cNvSpPr txBox="1"/>
           <p:nvPr/>
         </p:nvSpPr>
@@ -11589,7 +11589,7 @@
     </p:bg>
     <p:spTree>
       <p:nvGrpSpPr>
-        <p:cNvPr id="239" name="Shape 239"/>
+        <p:cNvPr id="240" name="Shape 240"/>
         <p:cNvGrpSpPr/>
         <p:nvPr/>
       </p:nvGrpSpPr>
@@ -11603,7 +11603,7 @@
       </p:grpSpPr>
       <p:sp>
         <p:nvSpPr>
-          <p:cNvPr id="240" name="Google Shape;240;p24"/>
+          <p:cNvPr id="241" name="Google Shape;241;p24"/>
           <p:cNvSpPr/>
           <p:nvPr/>
         </p:nvSpPr>
@@ -11657,7 +11657,7 @@
       </p:sp>
       <p:sp>
         <p:nvSpPr>
-          <p:cNvPr id="241" name="Google Shape;241;p24"/>
+          <p:cNvPr id="242" name="Google Shape;242;p24"/>
           <p:cNvSpPr/>
           <p:nvPr/>
         </p:nvSpPr>
@@ -11719,7 +11719,7 @@
       </p:sp>
       <p:sp>
         <p:nvSpPr>
-          <p:cNvPr id="242" name="Google Shape;242;p24"/>
+          <p:cNvPr id="243" name="Google Shape;243;p24"/>
           <p:cNvSpPr/>
           <p:nvPr/>
         </p:nvSpPr>
@@ -11773,7 +11773,7 @@
       </p:sp>
       <p:sp>
         <p:nvSpPr>
-          <p:cNvPr id="243" name="Google Shape;243;p24"/>
+          <p:cNvPr id="244" name="Google Shape;244;p24"/>
           <p:cNvSpPr/>
           <p:nvPr/>
         </p:nvSpPr>
@@ -11827,7 +11827,7 @@
       </p:sp>
       <p:sp>
         <p:nvSpPr>
-          <p:cNvPr id="244" name="Google Shape;244;p24"/>
+          <p:cNvPr id="245" name="Google Shape;245;p24"/>
           <p:cNvSpPr/>
           <p:nvPr/>
         </p:nvSpPr>
@@ -11881,7 +11881,7 @@
       </p:sp>
       <p:sp>
         <p:nvSpPr>
-          <p:cNvPr id="245" name="Google Shape;245;p24"/>
+          <p:cNvPr id="246" name="Google Shape;246;p24"/>
           <p:cNvSpPr txBox="1"/>
           <p:nvPr/>
         </p:nvSpPr>
@@ -11947,7 +11947,7 @@
       </p:sp>
       <p:sp>
         <p:nvSpPr>
-          <p:cNvPr id="246" name="Google Shape;246;p24"/>
+          <p:cNvPr id="247" name="Google Shape;247;p24"/>
           <p:cNvSpPr txBox="1"/>
           <p:nvPr>
             <p:ph idx="1" type="body"/>
@@ -12096,7 +12096,7 @@
       </p:sp>
       <p:pic>
         <p:nvPicPr>
-          <p:cNvPr descr="히어로시즈 (Hero Siege) 플레이 영상 - YouTube" id="247" name="Google Shape;247;p24"/>
+          <p:cNvPr descr="히어로시즈 (Hero Siege) 플레이 영상 - YouTube" id="248" name="Google Shape;248;p24"/>
           <p:cNvPicPr preferRelativeResize="0"/>
           <p:nvPr/>
         </p:nvPicPr>
@@ -12123,7 +12123,7 @@
       </p:pic>
       <p:sp>
         <p:nvSpPr>
-          <p:cNvPr id="248" name="Google Shape;248;p24"/>
+          <p:cNvPr id="249" name="Google Shape;249;p24"/>
           <p:cNvSpPr txBox="1"/>
           <p:nvPr>
             <p:ph type="title"/>
@@ -12227,7 +12227,7 @@
     </p:bg>
     <p:spTree>
       <p:nvGrpSpPr>
-        <p:cNvPr id="254" name="Shape 254"/>
+        <p:cNvPr id="255" name="Shape 255"/>
         <p:cNvGrpSpPr/>
         <p:nvPr/>
       </p:nvGrpSpPr>
@@ -12241,7 +12241,7 @@
       </p:grpSpPr>
       <p:sp>
         <p:nvSpPr>
-          <p:cNvPr id="255" name="Google Shape;255;p25"/>
+          <p:cNvPr id="256" name="Google Shape;256;p25"/>
           <p:cNvSpPr/>
           <p:nvPr/>
         </p:nvSpPr>
@@ -12295,7 +12295,7 @@
       </p:sp>
       <p:sp>
         <p:nvSpPr>
-          <p:cNvPr id="256" name="Google Shape;256;p25"/>
+          <p:cNvPr id="257" name="Google Shape;257;p25"/>
           <p:cNvSpPr/>
           <p:nvPr/>
         </p:nvSpPr>
@@ -12357,7 +12357,7 @@
       </p:sp>
       <p:sp>
         <p:nvSpPr>
-          <p:cNvPr id="257" name="Google Shape;257;p25"/>
+          <p:cNvPr id="258" name="Google Shape;258;p25"/>
           <p:cNvSpPr/>
           <p:nvPr/>
         </p:nvSpPr>
@@ -12411,7 +12411,7 @@
       </p:sp>
       <p:sp>
         <p:nvSpPr>
-          <p:cNvPr id="258" name="Google Shape;258;p25"/>
+          <p:cNvPr id="259" name="Google Shape;259;p25"/>
           <p:cNvSpPr/>
           <p:nvPr/>
         </p:nvSpPr>
@@ -12465,7 +12465,7 @@
       </p:sp>
       <p:sp>
         <p:nvSpPr>
-          <p:cNvPr id="259" name="Google Shape;259;p25"/>
+          <p:cNvPr id="260" name="Google Shape;260;p25"/>
           <p:cNvSpPr/>
           <p:nvPr/>
         </p:nvSpPr>
@@ -12519,7 +12519,7 @@
       </p:sp>
       <p:sp>
         <p:nvSpPr>
-          <p:cNvPr id="260" name="Google Shape;260;p25"/>
+          <p:cNvPr id="261" name="Google Shape;261;p25"/>
           <p:cNvSpPr txBox="1"/>
           <p:nvPr/>
         </p:nvSpPr>
@@ -12585,7 +12585,7 @@
       </p:sp>
       <p:sp>
         <p:nvSpPr>
-          <p:cNvPr id="261" name="Google Shape;261;p25"/>
+          <p:cNvPr id="262" name="Google Shape;262;p25"/>
           <p:cNvSpPr txBox="1"/>
           <p:nvPr>
             <p:ph idx="1" type="body"/>
@@ -12993,7 +12993,7 @@
       </p:sp>
       <p:sp>
         <p:nvSpPr>
-          <p:cNvPr id="262" name="Google Shape;262;p25"/>
+          <p:cNvPr id="263" name="Google Shape;263;p25"/>
           <p:cNvSpPr txBox="1"/>
           <p:nvPr>
             <p:ph type="title"/>
@@ -13097,7 +13097,7 @@
     </p:bg>
     <p:spTree>
       <p:nvGrpSpPr>
-        <p:cNvPr id="268" name="Shape 268"/>
+        <p:cNvPr id="269" name="Shape 269"/>
         <p:cNvGrpSpPr/>
         <p:nvPr/>
       </p:nvGrpSpPr>
@@ -13111,7 +13111,7 @@
       </p:grpSpPr>
       <p:sp>
         <p:nvSpPr>
-          <p:cNvPr id="269" name="Google Shape;269;p26"/>
+          <p:cNvPr id="270" name="Google Shape;270;p26"/>
           <p:cNvSpPr txBox="1"/>
           <p:nvPr>
             <p:ph type="title"/>
@@ -13164,7 +13164,7 @@
       </p:sp>
       <p:sp>
         <p:nvSpPr>
-          <p:cNvPr id="270" name="Google Shape;270;p26"/>
+          <p:cNvPr id="271" name="Google Shape;271;p26"/>
           <p:cNvSpPr/>
           <p:nvPr/>
         </p:nvSpPr>
@@ -13218,7 +13218,7 @@
       </p:sp>
       <p:sp>
         <p:nvSpPr>
-          <p:cNvPr id="271" name="Google Shape;271;p26"/>
+          <p:cNvPr id="272" name="Google Shape;272;p26"/>
           <p:cNvSpPr/>
           <p:nvPr/>
         </p:nvSpPr>
@@ -13280,7 +13280,7 @@
       </p:sp>
       <p:sp>
         <p:nvSpPr>
-          <p:cNvPr id="272" name="Google Shape;272;p26"/>
+          <p:cNvPr id="273" name="Google Shape;273;p26"/>
           <p:cNvSpPr/>
           <p:nvPr/>
         </p:nvSpPr>
@@ -13334,7 +13334,7 @@
       </p:sp>
       <p:sp>
         <p:nvSpPr>
-          <p:cNvPr id="273" name="Google Shape;273;p26"/>
+          <p:cNvPr id="274" name="Google Shape;274;p26"/>
           <p:cNvSpPr/>
           <p:nvPr/>
         </p:nvSpPr>
@@ -13388,7 +13388,7 @@
       </p:sp>
       <p:sp>
         <p:nvSpPr>
-          <p:cNvPr id="274" name="Google Shape;274;p26"/>
+          <p:cNvPr id="275" name="Google Shape;275;p26"/>
           <p:cNvSpPr/>
           <p:nvPr/>
         </p:nvSpPr>
@@ -13442,7 +13442,7 @@
       </p:sp>
       <p:sp>
         <p:nvSpPr>
-          <p:cNvPr id="275" name="Google Shape;275;p26"/>
+          <p:cNvPr id="276" name="Google Shape;276;p26"/>
           <p:cNvSpPr txBox="1"/>
           <p:nvPr/>
         </p:nvSpPr>
@@ -15178,7 +15178,7 @@
             <a:tbl>
               <a:tblPr bandRow="1" firstRow="1">
                 <a:noFill/>
-                <a:tableStyleId>{B0FC16F8-982E-4CB0-8C07-183037A4D264}</a:tableStyleId>
+                <a:tableStyleId>{EE3B3EF0-2B28-4FE4-81EB-631791D77154}</a:tableStyleId>
               </a:tblPr>
               <a:tblGrid>
                 <a:gridCol w="1046325"/>
@@ -17815,7 +17815,7 @@
             <a:tbl>
               <a:tblPr bandRow="1" firstRow="1">
                 <a:noFill/>
-                <a:tableStyleId>{B0FC16F8-982E-4CB0-8C07-183037A4D264}</a:tableStyleId>
+                <a:tableStyleId>{EE3B3EF0-2B28-4FE4-81EB-631791D77154}</a:tableStyleId>
               </a:tblPr>
               <a:tblGrid>
                 <a:gridCol w="1296125"/>
@@ -19739,7 +19739,7 @@
           </a:xfrm>
           <a:prstGeom prst="bentConnector3">
             <a:avLst>
-              <a:gd fmla="val 39687500" name="adj1"/>
+              <a:gd fmla="val 180449805" name="adj1"/>
             </a:avLst>
           </a:prstGeom>
           <a:noFill/>
@@ -19758,14 +19758,43 @@
         <p:nvCxnSpPr>
           <p:cNvPr id="187" name="Google Shape;187;p20"/>
           <p:cNvCxnSpPr>
-            <a:endCxn id="171" idx="1"/>
+            <a:stCxn id="174" idx="3"/>
+            <a:endCxn id="171" idx="2"/>
           </p:cNvCxnSpPr>
           <p:nvPr/>
         </p:nvCxnSpPr>
         <p:spPr>
-          <a:xfrm>
-            <a:off x="3602087" y="3429038"/>
-            <a:ext cx="1164600" cy="4800"/>
+          <a:xfrm flipH="1" rot="10800000">
+            <a:off x="5326201" y="3588497"/>
+            <a:ext cx="196500" cy="1848000"/>
+          </a:xfrm>
+          <a:prstGeom prst="bentConnector2">
+            <a:avLst/>
+          </a:prstGeom>
+          <a:noFill/>
+          <a:ln cap="flat" cmpd="sng" w="9525">
+            <a:solidFill>
+              <a:srgbClr val="929292"/>
+            </a:solidFill>
+            <a:prstDash val="solid"/>
+            <a:round/>
+            <a:headEnd len="sm" w="sm" type="none"/>
+            <a:tailEnd len="med" w="med" type="triangle"/>
+          </a:ln>
+        </p:spPr>
+      </p:cxnSp>
+      <p:cxnSp>
+        <p:nvCxnSpPr>
+          <p:cNvPr id="188" name="Google Shape;188;p20"/>
+          <p:cNvCxnSpPr>
+            <a:stCxn id="173" idx="0"/>
+          </p:cNvCxnSpPr>
+          <p:nvPr/>
+        </p:nvCxnSpPr>
+        <p:spPr>
+          <a:xfrm rot="-5400000">
+            <a:off x="4540351" y="3618394"/>
+            <a:ext cx="1012200" cy="952800"/>
           </a:xfrm>
           <a:prstGeom prst="bentConnector3">
             <a:avLst>
@@ -19809,7 +19838,7 @@
     </p:bg>
     <p:spTree>
       <p:nvGrpSpPr>
-        <p:cNvPr id="193" name="Shape 193"/>
+        <p:cNvPr id="194" name="Shape 194"/>
         <p:cNvGrpSpPr/>
         <p:nvPr/>
       </p:nvGrpSpPr>
@@ -19823,7 +19852,7 @@
       </p:grpSpPr>
       <p:graphicFrame>
         <p:nvGraphicFramePr>
-          <p:cNvPr id="194" name="Google Shape;194;p21"/>
+          <p:cNvPr id="195" name="Google Shape;195;p21"/>
           <p:cNvGraphicFramePr/>
           <p:nvPr/>
         </p:nvGraphicFramePr>
@@ -19836,7 +19865,7 @@
             <a:tbl>
               <a:tblPr bandRow="1" firstRow="1">
                 <a:noFill/>
-                <a:tableStyleId>{B0FC16F8-982E-4CB0-8C07-183037A4D264}</a:tableStyleId>
+                <a:tableStyleId>{EE3B3EF0-2B28-4FE4-81EB-631791D77154}</a:tableStyleId>
               </a:tblPr>
               <a:tblGrid>
                 <a:gridCol w="1017050"/>
@@ -20757,7 +20786,7 @@
       </p:graphicFrame>
       <p:sp>
         <p:nvSpPr>
-          <p:cNvPr id="195" name="Google Shape;195;p21"/>
+          <p:cNvPr id="196" name="Google Shape;196;p21"/>
           <p:cNvSpPr/>
           <p:nvPr/>
         </p:nvSpPr>
@@ -20811,7 +20840,7 @@
       </p:sp>
       <p:sp>
         <p:nvSpPr>
-          <p:cNvPr id="196" name="Google Shape;196;p21"/>
+          <p:cNvPr id="197" name="Google Shape;197;p21"/>
           <p:cNvSpPr/>
           <p:nvPr/>
         </p:nvSpPr>
@@ -20873,7 +20902,7 @@
       </p:sp>
       <p:sp>
         <p:nvSpPr>
-          <p:cNvPr id="197" name="Google Shape;197;p21"/>
+          <p:cNvPr id="198" name="Google Shape;198;p21"/>
           <p:cNvSpPr/>
           <p:nvPr/>
         </p:nvSpPr>
@@ -20927,7 +20956,7 @@
       </p:sp>
       <p:sp>
         <p:nvSpPr>
-          <p:cNvPr id="198" name="Google Shape;198;p21"/>
+          <p:cNvPr id="199" name="Google Shape;199;p21"/>
           <p:cNvSpPr/>
           <p:nvPr/>
         </p:nvSpPr>
@@ -20981,7 +21010,7 @@
       </p:sp>
       <p:sp>
         <p:nvSpPr>
-          <p:cNvPr id="199" name="Google Shape;199;p21"/>
+          <p:cNvPr id="200" name="Google Shape;200;p21"/>
           <p:cNvSpPr/>
           <p:nvPr/>
         </p:nvSpPr>
@@ -21035,7 +21064,7 @@
       </p:sp>
       <p:sp>
         <p:nvSpPr>
-          <p:cNvPr id="200" name="Google Shape;200;p21"/>
+          <p:cNvPr id="201" name="Google Shape;201;p21"/>
           <p:cNvSpPr txBox="1"/>
           <p:nvPr>
             <p:ph type="title"/>
@@ -21104,7 +21133,7 @@
       </p:sp>
       <p:sp>
         <p:nvSpPr>
-          <p:cNvPr id="201" name="Google Shape;201;p21"/>
+          <p:cNvPr id="202" name="Google Shape;202;p21"/>
           <p:cNvSpPr txBox="1"/>
           <p:nvPr/>
         </p:nvSpPr>
@@ -21169,6 +21198,285 @@
 </file>
 
 <file path=ppt/theme/theme1.xml><?xml version="1.0" encoding="utf-8"?>
+<a:theme xmlns:a="http://schemas.openxmlformats.org/drawingml/2006/main" xmlns:r="http://schemas.openxmlformats.org/officeDocument/2006/relationships" name="Office Theme">
+  <a:themeElements>
+    <a:clrScheme name="">
+      <a:dk1>
+        <a:srgbClr val="000000"/>
+      </a:dk1>
+      <a:lt1>
+        <a:srgbClr val="FFFFFF"/>
+      </a:lt1>
+      <a:dk2>
+        <a:srgbClr val="000000"/>
+      </a:dk2>
+      <a:lt2>
+        <a:srgbClr val="808080"/>
+      </a:lt2>
+      <a:accent1>
+        <a:srgbClr val="BBE0E3"/>
+      </a:accent1>
+      <a:accent2>
+        <a:srgbClr val="333399"/>
+      </a:accent2>
+      <a:accent3>
+        <a:srgbClr val="FFFFFF"/>
+      </a:accent3>
+      <a:accent4>
+        <a:srgbClr val="000000"/>
+      </a:accent4>
+      <a:accent5>
+        <a:srgbClr val="DAEDEF"/>
+      </a:accent5>
+      <a:accent6>
+        <a:srgbClr val="2D2D8A"/>
+      </a:accent6>
+      <a:hlink>
+        <a:srgbClr val="009999"/>
+      </a:hlink>
+      <a:folHlink>
+        <a:srgbClr val="99CC00"/>
+      </a:folHlink>
+    </a:clrScheme>
+    <a:fontScheme name="Office">
+      <a:majorFont>
+        <a:latin typeface="Arial"/>
+        <a:ea typeface=""/>
+        <a:cs typeface=""/>
+        <a:font script="Jpan" typeface="ＭＳ Ｐゴシック"/>
+        <a:font script="Hang" typeface="맑은 고딕"/>
+        <a:font script="Hans" typeface="宋体"/>
+        <a:font script="Hant" typeface="新細明體"/>
+        <a:font script="Arab" typeface="Times New Roman"/>
+        <a:font script="Hebr" typeface="Times New Roman"/>
+        <a:font script="Thai" typeface="Angsana New"/>
+        <a:font script="Ethi" typeface="Nyala"/>
+        <a:font script="Beng" typeface="Vrinda"/>
+        <a:font script="Gujr" typeface="Shruti"/>
+        <a:font script="Khmr" typeface="MoolBoran"/>
+        <a:font script="Knda" typeface="Tunga"/>
+        <a:font script="Guru" typeface="Raavi"/>
+        <a:font script="Cans" typeface="Euphemia"/>
+        <a:font script="Cher" typeface="Plantagenet Cherokee"/>
+        <a:font script="Yiii" typeface="Microsoft Yi Baiti"/>
+        <a:font script="Tibt" typeface="Microsoft Himalaya"/>
+        <a:font script="Thaa" typeface="MV Boli"/>
+        <a:font script="Deva" typeface="Mangal"/>
+        <a:font script="Telu" typeface="Gautami"/>
+        <a:font script="Taml" typeface="Latha"/>
+        <a:font script="Syrc" typeface="Estrangelo Edessa"/>
+        <a:font script="Orya" typeface="Kalinga"/>
+        <a:font script="Mlym" typeface="Kartika"/>
+        <a:font script="Laoo" typeface="DokChampa"/>
+        <a:font script="Sinh" typeface="Iskoola Pota"/>
+        <a:font script="Mong" typeface="Mongolian Baiti"/>
+        <a:font script="Viet" typeface="Times New Roman"/>
+        <a:font script="Uigh" typeface="Microsoft Uighur"/>
+        <a:font script="Geor" typeface="Sylfaen"/>
+      </a:majorFont>
+      <a:minorFont>
+        <a:latin typeface="Arial"/>
+        <a:ea typeface=""/>
+        <a:cs typeface=""/>
+        <a:font script="Jpan" typeface="ＭＳ Ｐゴシック"/>
+        <a:font script="Hang" typeface="맑은 고딕"/>
+        <a:font script="Hans" typeface="宋体"/>
+        <a:font script="Hant" typeface="新細明體"/>
+        <a:font script="Arab" typeface="Arial"/>
+        <a:font script="Hebr" typeface="Arial"/>
+        <a:font script="Thai" typeface="Cordia New"/>
+        <a:font script="Ethi" typeface="Nyala"/>
+        <a:font script="Beng" typeface="Vrinda"/>
+        <a:font script="Gujr" typeface="Shruti"/>
+        <a:font script="Khmr" typeface="DaunPenh"/>
+        <a:font script="Knda" typeface="Tunga"/>
+        <a:font script="Guru" typeface="Raavi"/>
+        <a:font script="Cans" typeface="Euphemia"/>
+        <a:font script="Cher" typeface="Plantagenet Cherokee"/>
+        <a:font script="Yiii" typeface="Microsoft Yi Baiti"/>
+        <a:font script="Tibt" typeface="Microsoft Himalaya"/>
+        <a:font script="Thaa" typeface="MV Boli"/>
+        <a:font script="Deva" typeface="Mangal"/>
+        <a:font script="Telu" typeface="Gautami"/>
+        <a:font script="Taml" typeface="Latha"/>
+        <a:font script="Syrc" typeface="Estrangelo Edessa"/>
+        <a:font script="Orya" typeface="Kalinga"/>
+        <a:font script="Mlym" typeface="Kartika"/>
+        <a:font script="Laoo" typeface="DokChampa"/>
+        <a:font script="Sinh" typeface="Iskoola Pota"/>
+        <a:font script="Mong" typeface="Mongolian Baiti"/>
+        <a:font script="Viet" typeface="Arial"/>
+        <a:font script="Uigh" typeface="Microsoft Uighur"/>
+        <a:font script="Geor" typeface="Sylfaen"/>
+      </a:minorFont>
+    </a:fontScheme>
+    <a:fmtScheme name="Office">
+      <a:fillStyleLst>
+        <a:solidFill>
+          <a:schemeClr val="phClr"/>
+        </a:solidFill>
+        <a:gradFill rotWithShape="1">
+          <a:gsLst>
+            <a:gs pos="0">
+              <a:schemeClr val="phClr">
+                <a:tint val="50000"/>
+                <a:satMod val="300000"/>
+              </a:schemeClr>
+            </a:gs>
+            <a:gs pos="35000">
+              <a:schemeClr val="phClr">
+                <a:tint val="37000"/>
+                <a:satMod val="300000"/>
+              </a:schemeClr>
+            </a:gs>
+            <a:gs pos="100000">
+              <a:schemeClr val="phClr">
+                <a:tint val="15000"/>
+                <a:satMod val="350000"/>
+              </a:schemeClr>
+            </a:gs>
+          </a:gsLst>
+          <a:lin ang="16200000" scaled="1"/>
+        </a:gradFill>
+        <a:gradFill rotWithShape="1">
+          <a:gsLst>
+            <a:gs pos="0">
+              <a:schemeClr val="phClr">
+                <a:tint val="100000"/>
+                <a:shade val="100000"/>
+                <a:satMod val="130000"/>
+              </a:schemeClr>
+            </a:gs>
+            <a:gs pos="100000">
+              <a:schemeClr val="phClr">
+                <a:tint val="50000"/>
+                <a:shade val="100000"/>
+                <a:satMod val="350000"/>
+              </a:schemeClr>
+            </a:gs>
+          </a:gsLst>
+          <a:lin ang="16200000" scaled="0"/>
+        </a:gradFill>
+      </a:fillStyleLst>
+      <a:lnStyleLst>
+        <a:ln w="9525" cap="flat" cmpd="sng" algn="ctr">
+          <a:solidFill>
+            <a:schemeClr val="phClr">
+              <a:shade val="95000"/>
+              <a:satMod val="105000"/>
+            </a:schemeClr>
+          </a:solidFill>
+          <a:prstDash val="solid"/>
+        </a:ln>
+        <a:ln w="25400" cap="flat" cmpd="sng" algn="ctr">
+          <a:solidFill>
+            <a:schemeClr val="phClr"/>
+          </a:solidFill>
+          <a:prstDash val="solid"/>
+        </a:ln>
+        <a:ln w="38100" cap="flat" cmpd="sng" algn="ctr">
+          <a:solidFill>
+            <a:schemeClr val="phClr"/>
+          </a:solidFill>
+          <a:prstDash val="solid"/>
+        </a:ln>
+      </a:lnStyleLst>
+      <a:effectStyleLst>
+        <a:effectStyle>
+          <a:effectLst>
+            <a:outerShdw blurRad="40000" dist="20000" dir="5400000" rotWithShape="0">
+              <a:srgbClr val="000000">
+                <a:alpha val="38000"/>
+              </a:srgbClr>
+            </a:outerShdw>
+          </a:effectLst>
+        </a:effectStyle>
+        <a:effectStyle>
+          <a:effectLst>
+            <a:outerShdw blurRad="40000" dist="23000" dir="5400000" rotWithShape="0">
+              <a:srgbClr val="000000">
+                <a:alpha val="35000"/>
+              </a:srgbClr>
+            </a:outerShdw>
+          </a:effectLst>
+        </a:effectStyle>
+        <a:effectStyle>
+          <a:effectLst>
+            <a:outerShdw blurRad="40000" dist="23000" dir="5400000" rotWithShape="0">
+              <a:srgbClr val="000000">
+                <a:alpha val="35000"/>
+              </a:srgbClr>
+            </a:outerShdw>
+          </a:effectLst>
+          <a:scene3d>
+            <a:camera prst="orthographicFront">
+              <a:rot lat="0" lon="0" rev="0"/>
+            </a:camera>
+            <a:lightRig rig="threePt" dir="t">
+              <a:rot lat="0" lon="0" rev="1200000"/>
+            </a:lightRig>
+          </a:scene3d>
+          <a:sp3d>
+            <a:bevelT w="63500" h="25400"/>
+          </a:sp3d>
+        </a:effectStyle>
+      </a:effectStyleLst>
+      <a:bgFillStyleLst>
+        <a:solidFill>
+          <a:schemeClr val="phClr"/>
+        </a:solidFill>
+        <a:gradFill rotWithShape="1">
+          <a:gsLst>
+            <a:gs pos="0">
+              <a:schemeClr val="phClr">
+                <a:tint val="40000"/>
+                <a:satMod val="350000"/>
+              </a:schemeClr>
+            </a:gs>
+            <a:gs pos="40000">
+              <a:schemeClr val="phClr">
+                <a:tint val="45000"/>
+                <a:shade val="99000"/>
+                <a:satMod val="350000"/>
+              </a:schemeClr>
+            </a:gs>
+            <a:gs pos="100000">
+              <a:schemeClr val="phClr">
+                <a:shade val="20000"/>
+                <a:satMod val="255000"/>
+              </a:schemeClr>
+            </a:gs>
+          </a:gsLst>
+          <a:path path="circle">
+            <a:fillToRect l="50000" t="-80000" r="50000" b="180000"/>
+          </a:path>
+        </a:gradFill>
+        <a:gradFill rotWithShape="1">
+          <a:gsLst>
+            <a:gs pos="0">
+              <a:schemeClr val="phClr">
+                <a:tint val="80000"/>
+                <a:satMod val="300000"/>
+              </a:schemeClr>
+            </a:gs>
+            <a:gs pos="100000">
+              <a:schemeClr val="phClr">
+                <a:shade val="30000"/>
+                <a:satMod val="200000"/>
+              </a:schemeClr>
+            </a:gs>
+          </a:gsLst>
+          <a:path path="circle">
+            <a:fillToRect l="50000" t="50000" r="50000" b="50000"/>
+          </a:path>
+        </a:gradFill>
+      </a:bgFillStyleLst>
+    </a:fmtScheme>
+  </a:themeElements>
+</a:theme>
+</file>
+
+<file path=ppt/theme/theme2.xml><?xml version="1.0" encoding="utf-8"?>
 <a:theme xmlns:a="http://schemas.openxmlformats.org/drawingml/2006/main" xmlns:r="http://schemas.openxmlformats.org/officeDocument/2006/relationships" name="template">
   <a:themeElements>
     <a:clrScheme name="template 13">
@@ -21445,283 +21753,4 @@
     </a:fmtScheme>
   </a:themeElements>
 </a:theme>
-</file>
-
-<file path=ppt/theme/theme2.xml><?xml version="1.0" encoding="utf-8"?>
-<a:theme xmlns:a="http://schemas.openxmlformats.org/drawingml/2006/main" xmlns:r="http://schemas.openxmlformats.org/officeDocument/2006/relationships" name="Office Theme">
-  <a:themeElements>
-    <a:clrScheme name="">
-      <a:dk1>
-        <a:srgbClr val="000000"/>
-      </a:dk1>
-      <a:lt1>
-        <a:srgbClr val="FFFFFF"/>
-      </a:lt1>
-      <a:dk2>
-        <a:srgbClr val="000000"/>
-      </a:dk2>
-      <a:lt2>
-        <a:srgbClr val="808080"/>
-      </a:lt2>
-      <a:accent1>
-        <a:srgbClr val="BBE0E3"/>
-      </a:accent1>
-      <a:accent2>
-        <a:srgbClr val="333399"/>
-      </a:accent2>
-      <a:accent3>
-        <a:srgbClr val="FFFFFF"/>
-      </a:accent3>
-      <a:accent4>
-        <a:srgbClr val="000000"/>
-      </a:accent4>
-      <a:accent5>
-        <a:srgbClr val="DAEDEF"/>
-      </a:accent5>
-      <a:accent6>
-        <a:srgbClr val="2D2D8A"/>
-      </a:accent6>
-      <a:hlink>
-        <a:srgbClr val="009999"/>
-      </a:hlink>
-      <a:folHlink>
-        <a:srgbClr val="99CC00"/>
-      </a:folHlink>
-    </a:clrScheme>
-    <a:fontScheme name="Office">
-      <a:majorFont>
-        <a:latin typeface="Arial"/>
-        <a:ea typeface=""/>
-        <a:cs typeface=""/>
-        <a:font script="Jpan" typeface="ＭＳ Ｐゴシック"/>
-        <a:font script="Hang" typeface="맑은 고딕"/>
-        <a:font script="Hans" typeface="宋体"/>
-        <a:font script="Hant" typeface="新細明體"/>
-        <a:font script="Arab" typeface="Times New Roman"/>
-        <a:font script="Hebr" typeface="Times New Roman"/>
-        <a:font script="Thai" typeface="Angsana New"/>
-        <a:font script="Ethi" typeface="Nyala"/>
-        <a:font script="Beng" typeface="Vrinda"/>
-        <a:font script="Gujr" typeface="Shruti"/>
-        <a:font script="Khmr" typeface="MoolBoran"/>
-        <a:font script="Knda" typeface="Tunga"/>
-        <a:font script="Guru" typeface="Raavi"/>
-        <a:font script="Cans" typeface="Euphemia"/>
-        <a:font script="Cher" typeface="Plantagenet Cherokee"/>
-        <a:font script="Yiii" typeface="Microsoft Yi Baiti"/>
-        <a:font script="Tibt" typeface="Microsoft Himalaya"/>
-        <a:font script="Thaa" typeface="MV Boli"/>
-        <a:font script="Deva" typeface="Mangal"/>
-        <a:font script="Telu" typeface="Gautami"/>
-        <a:font script="Taml" typeface="Latha"/>
-        <a:font script="Syrc" typeface="Estrangelo Edessa"/>
-        <a:font script="Orya" typeface="Kalinga"/>
-        <a:font script="Mlym" typeface="Kartika"/>
-        <a:font script="Laoo" typeface="DokChampa"/>
-        <a:font script="Sinh" typeface="Iskoola Pota"/>
-        <a:font script="Mong" typeface="Mongolian Baiti"/>
-        <a:font script="Viet" typeface="Times New Roman"/>
-        <a:font script="Uigh" typeface="Microsoft Uighur"/>
-        <a:font script="Geor" typeface="Sylfaen"/>
-      </a:majorFont>
-      <a:minorFont>
-        <a:latin typeface="Arial"/>
-        <a:ea typeface=""/>
-        <a:cs typeface=""/>
-        <a:font script="Jpan" typeface="ＭＳ Ｐゴシック"/>
-        <a:font script="Hang" typeface="맑은 고딕"/>
-        <a:font script="Hans" typeface="宋体"/>
-        <a:font script="Hant" typeface="新細明體"/>
-        <a:font script="Arab" typeface="Arial"/>
-        <a:font script="Hebr" typeface="Arial"/>
-        <a:font script="Thai" typeface="Cordia New"/>
-        <a:font script="Ethi" typeface="Nyala"/>
-        <a:font script="Beng" typeface="Vrinda"/>
-        <a:font script="Gujr" typeface="Shruti"/>
-        <a:font script="Khmr" typeface="DaunPenh"/>
-        <a:font script="Knda" typeface="Tunga"/>
-        <a:font script="Guru" typeface="Raavi"/>
-        <a:font script="Cans" typeface="Euphemia"/>
-        <a:font script="Cher" typeface="Plantagenet Cherokee"/>
-        <a:font script="Yiii" typeface="Microsoft Yi Baiti"/>
-        <a:font script="Tibt" typeface="Microsoft Himalaya"/>
-        <a:font script="Thaa" typeface="MV Boli"/>
-        <a:font script="Deva" typeface="Mangal"/>
-        <a:font script="Telu" typeface="Gautami"/>
-        <a:font script="Taml" typeface="Latha"/>
-        <a:font script="Syrc" typeface="Estrangelo Edessa"/>
-        <a:font script="Orya" typeface="Kalinga"/>
-        <a:font script="Mlym" typeface="Kartika"/>
-        <a:font script="Laoo" typeface="DokChampa"/>
-        <a:font script="Sinh" typeface="Iskoola Pota"/>
-        <a:font script="Mong" typeface="Mongolian Baiti"/>
-        <a:font script="Viet" typeface="Arial"/>
-        <a:font script="Uigh" typeface="Microsoft Uighur"/>
-        <a:font script="Geor" typeface="Sylfaen"/>
-      </a:minorFont>
-    </a:fontScheme>
-    <a:fmtScheme name="Office">
-      <a:fillStyleLst>
-        <a:solidFill>
-          <a:schemeClr val="phClr"/>
-        </a:solidFill>
-        <a:gradFill rotWithShape="1">
-          <a:gsLst>
-            <a:gs pos="0">
-              <a:schemeClr val="phClr">
-                <a:tint val="50000"/>
-                <a:satMod val="300000"/>
-              </a:schemeClr>
-            </a:gs>
-            <a:gs pos="35000">
-              <a:schemeClr val="phClr">
-                <a:tint val="37000"/>
-                <a:satMod val="300000"/>
-              </a:schemeClr>
-            </a:gs>
-            <a:gs pos="100000">
-              <a:schemeClr val="phClr">
-                <a:tint val="15000"/>
-                <a:satMod val="350000"/>
-              </a:schemeClr>
-            </a:gs>
-          </a:gsLst>
-          <a:lin ang="16200000" scaled="1"/>
-        </a:gradFill>
-        <a:gradFill rotWithShape="1">
-          <a:gsLst>
-            <a:gs pos="0">
-              <a:schemeClr val="phClr">
-                <a:tint val="100000"/>
-                <a:shade val="100000"/>
-                <a:satMod val="130000"/>
-              </a:schemeClr>
-            </a:gs>
-            <a:gs pos="100000">
-              <a:schemeClr val="phClr">
-                <a:tint val="50000"/>
-                <a:shade val="100000"/>
-                <a:satMod val="350000"/>
-              </a:schemeClr>
-            </a:gs>
-          </a:gsLst>
-          <a:lin ang="16200000" scaled="0"/>
-        </a:gradFill>
-      </a:fillStyleLst>
-      <a:lnStyleLst>
-        <a:ln w="9525" cap="flat" cmpd="sng" algn="ctr">
-          <a:solidFill>
-            <a:schemeClr val="phClr">
-              <a:shade val="95000"/>
-              <a:satMod val="105000"/>
-            </a:schemeClr>
-          </a:solidFill>
-          <a:prstDash val="solid"/>
-        </a:ln>
-        <a:ln w="25400" cap="flat" cmpd="sng" algn="ctr">
-          <a:solidFill>
-            <a:schemeClr val="phClr"/>
-          </a:solidFill>
-          <a:prstDash val="solid"/>
-        </a:ln>
-        <a:ln w="38100" cap="flat" cmpd="sng" algn="ctr">
-          <a:solidFill>
-            <a:schemeClr val="phClr"/>
-          </a:solidFill>
-          <a:prstDash val="solid"/>
-        </a:ln>
-      </a:lnStyleLst>
-      <a:effectStyleLst>
-        <a:effectStyle>
-          <a:effectLst>
-            <a:outerShdw blurRad="40000" dist="20000" dir="5400000" rotWithShape="0">
-              <a:srgbClr val="000000">
-                <a:alpha val="38000"/>
-              </a:srgbClr>
-            </a:outerShdw>
-          </a:effectLst>
-        </a:effectStyle>
-        <a:effectStyle>
-          <a:effectLst>
-            <a:outerShdw blurRad="40000" dist="23000" dir="5400000" rotWithShape="0">
-              <a:srgbClr val="000000">
-                <a:alpha val="35000"/>
-              </a:srgbClr>
-            </a:outerShdw>
-          </a:effectLst>
-        </a:effectStyle>
-        <a:effectStyle>
-          <a:effectLst>
-            <a:outerShdw blurRad="40000" dist="23000" dir="5400000" rotWithShape="0">
-              <a:srgbClr val="000000">
-                <a:alpha val="35000"/>
-              </a:srgbClr>
-            </a:outerShdw>
-          </a:effectLst>
-          <a:scene3d>
-            <a:camera prst="orthographicFront">
-              <a:rot lat="0" lon="0" rev="0"/>
-            </a:camera>
-            <a:lightRig rig="threePt" dir="t">
-              <a:rot lat="0" lon="0" rev="1200000"/>
-            </a:lightRig>
-          </a:scene3d>
-          <a:sp3d>
-            <a:bevelT w="63500" h="25400"/>
-          </a:sp3d>
-        </a:effectStyle>
-      </a:effectStyleLst>
-      <a:bgFillStyleLst>
-        <a:solidFill>
-          <a:schemeClr val="phClr"/>
-        </a:solidFill>
-        <a:gradFill rotWithShape="1">
-          <a:gsLst>
-            <a:gs pos="0">
-              <a:schemeClr val="phClr">
-                <a:tint val="40000"/>
-                <a:satMod val="350000"/>
-              </a:schemeClr>
-            </a:gs>
-            <a:gs pos="40000">
-              <a:schemeClr val="phClr">
-                <a:tint val="45000"/>
-                <a:shade val="99000"/>
-                <a:satMod val="350000"/>
-              </a:schemeClr>
-            </a:gs>
-            <a:gs pos="100000">
-              <a:schemeClr val="phClr">
-                <a:shade val="20000"/>
-                <a:satMod val="255000"/>
-              </a:schemeClr>
-            </a:gs>
-          </a:gsLst>
-          <a:path path="circle">
-            <a:fillToRect l="50000" t="-80000" r="50000" b="180000"/>
-          </a:path>
-        </a:gradFill>
-        <a:gradFill rotWithShape="1">
-          <a:gsLst>
-            <a:gs pos="0">
-              <a:schemeClr val="phClr">
-                <a:tint val="80000"/>
-                <a:satMod val="300000"/>
-              </a:schemeClr>
-            </a:gs>
-            <a:gs pos="100000">
-              <a:schemeClr val="phClr">
-                <a:shade val="30000"/>
-                <a:satMod val="200000"/>
-              </a:schemeClr>
-            </a:gs>
-          </a:gsLst>
-          <a:path path="circle">
-            <a:fillToRect l="50000" t="50000" r="50000" b="50000"/>
-          </a:path>
-        </a:gradFill>
-      </a:bgFillStyleLst>
-    </a:fmtScheme>
-  </a:themeElements>
-</a:theme>
 </file>